--- a/2_Scala_Basics/Scala Crash Course.pptx
+++ b/2_Scala_Basics/Scala Crash Course.pptx
@@ -10798,6 +10798,17 @@
               <a:rPr lang="en-US" b="1" dirty="0"/>
               <a:t>git clone https://github.com/bogdannb/scala_spark_course.git</a:t>
             </a:r>
+          </a:p>
+          <a:p>
+            <a:r>
+              <a:rPr lang="en-US" b="1" dirty="0"/>
+              <a:t>Scala Worksheets </a:t>
+            </a:r>
+            <a:r>
+              <a:rPr lang="en-US" dirty="0"/>
+              <a:t>in Scala IDE</a:t>
+            </a:r>
+            <a:endParaRPr lang="en-US" b="1" dirty="0"/>
           </a:p>
           <a:p>
             <a:r>
@@ -12437,6 +12448,21 @@
 </file>
 
 <file path=customXml/item1.xml><?xml version="1.0" encoding="utf-8"?>
+<?mso-contentType ?>
+<FormTemplates xmlns="http://schemas.microsoft.com/sharepoint/v3/contenttype/forms">
+  <Display>DocumentLibraryForm</Display>
+  <Edit>DocumentLibraryForm</Edit>
+  <New>DocumentLibraryForm</New>
+</FormTemplates>
+</file>
+
+<file path=customXml/item2.xml><?xml version="1.0" encoding="utf-8"?>
+<p:properties xmlns:p="http://schemas.microsoft.com/office/2006/metadata/properties" xmlns:xsi="http://www.w3.org/2001/XMLSchema-instance" xmlns:pc="http://schemas.microsoft.com/office/infopath/2007/PartnerControls">
+  <documentManagement/>
+</p:properties>
+</file>
+
+<file path=customXml/item3.xml><?xml version="1.0" encoding="utf-8"?>
 <ct:contentTypeSchema xmlns:ct="http://schemas.microsoft.com/office/2006/metadata/contentType" xmlns:ma="http://schemas.microsoft.com/office/2006/metadata/properties/metaAttributes" ct:_="" ma:_="" ma:contentTypeName="Document" ma:contentTypeID="0x010100172A58547029454AB19C4743817AE4E4" ma:contentTypeVersion="4" ma:contentTypeDescription="Create a new document." ma:contentTypeScope="" ma:versionID="fcb8c4a679d8ace45ceb166f3c894db4">
   <xsd:schema xmlns:xsd="http://www.w3.org/2001/XMLSchema" xmlns:xs="http://www.w3.org/2001/XMLSchema" xmlns:p="http://schemas.microsoft.com/office/2006/metadata/properties" xmlns:ns2="ec6ec6ed-b5e9-44ae-a1e4-02d3a5f2b088" xmlns:ns3="f9d38366-44fa-4455-b38c-7d58d880822d" targetNamespace="http://schemas.microsoft.com/office/2006/metadata/properties" ma:root="true" ma:fieldsID="32794913e6579e7cdd79cea120e27724" ns2:_="" ns3:_="">
     <xsd:import namespace="ec6ec6ed-b5e9-44ae-a1e4-02d3a5f2b088"/>
@@ -12601,36 +12627,10 @@
 </ct:contentTypeSchema>
 </file>
 
-<file path=customXml/item2.xml><?xml version="1.0" encoding="utf-8"?>
-<p:properties xmlns:p="http://schemas.microsoft.com/office/2006/metadata/properties" xmlns:xsi="http://www.w3.org/2001/XMLSchema-instance" xmlns:pc="http://schemas.microsoft.com/office/infopath/2007/PartnerControls">
-  <documentManagement/>
-</p:properties>
-</file>
-
-<file path=customXml/item3.xml><?xml version="1.0" encoding="utf-8"?>
-<?mso-contentType ?>
-<FormTemplates xmlns="http://schemas.microsoft.com/sharepoint/v3/contenttype/forms">
-  <Display>DocumentLibraryForm</Display>
-  <Edit>DocumentLibraryForm</Edit>
-  <New>DocumentLibraryForm</New>
-</FormTemplates>
-</file>
-
 <file path=customXml/itemProps1.xml><?xml version="1.0" encoding="utf-8"?>
-<ds:datastoreItem xmlns:ds="http://schemas.openxmlformats.org/officeDocument/2006/customXml" ds:itemID="{30BE9370-688B-43F1-8A92-30C488D0F2F6}">
+<ds:datastoreItem xmlns:ds="http://schemas.openxmlformats.org/officeDocument/2006/customXml" ds:itemID="{CF9D2C0E-8EC1-40ED-8E3B-49799F2A819F}">
   <ds:schemaRefs>
-    <ds:schemaRef ds:uri="http://schemas.microsoft.com/office/2006/metadata/contentType"/>
-    <ds:schemaRef ds:uri="http://schemas.microsoft.com/office/2006/metadata/properties/metaAttributes"/>
-    <ds:schemaRef ds:uri="http://www.w3.org/2001/XMLSchema"/>
-    <ds:schemaRef ds:uri="http://schemas.microsoft.com/office/2006/metadata/properties"/>
-    <ds:schemaRef ds:uri="ec6ec6ed-b5e9-44ae-a1e4-02d3a5f2b088"/>
-    <ds:schemaRef ds:uri="f9d38366-44fa-4455-b38c-7d58d880822d"/>
-    <ds:schemaRef ds:uri="http://schemas.microsoft.com/office/2006/documentManagement/types"/>
-    <ds:schemaRef ds:uri="http://schemas.microsoft.com/office/infopath/2007/PartnerControls"/>
-    <ds:schemaRef ds:uri="http://schemas.openxmlformats.org/package/2006/metadata/core-properties"/>
-    <ds:schemaRef ds:uri="http://purl.org/dc/elements/1.1/"/>
-    <ds:schemaRef ds:uri="http://purl.org/dc/terms/"/>
-    <ds:schemaRef ds:uri="http://schemas.microsoft.com/internal/obd"/>
+    <ds:schemaRef ds:uri="http://schemas.microsoft.com/sharepoint/v3/contenttype/forms"/>
   </ds:schemaRefs>
 </ds:datastoreItem>
 </file>
@@ -12653,9 +12653,20 @@
 </file>
 
 <file path=customXml/itemProps3.xml><?xml version="1.0" encoding="utf-8"?>
-<ds:datastoreItem xmlns:ds="http://schemas.openxmlformats.org/officeDocument/2006/customXml" ds:itemID="{CF9D2C0E-8EC1-40ED-8E3B-49799F2A819F}">
+<ds:datastoreItem xmlns:ds="http://schemas.openxmlformats.org/officeDocument/2006/customXml" ds:itemID="{30BE9370-688B-43F1-8A92-30C488D0F2F6}">
   <ds:schemaRefs>
-    <ds:schemaRef ds:uri="http://schemas.microsoft.com/sharepoint/v3/contenttype/forms"/>
+    <ds:schemaRef ds:uri="http://schemas.microsoft.com/office/2006/metadata/contentType"/>
+    <ds:schemaRef ds:uri="http://schemas.microsoft.com/office/2006/metadata/properties/metaAttributes"/>
+    <ds:schemaRef ds:uri="http://www.w3.org/2001/XMLSchema"/>
+    <ds:schemaRef ds:uri="http://schemas.microsoft.com/office/2006/metadata/properties"/>
+    <ds:schemaRef ds:uri="ec6ec6ed-b5e9-44ae-a1e4-02d3a5f2b088"/>
+    <ds:schemaRef ds:uri="f9d38366-44fa-4455-b38c-7d58d880822d"/>
+    <ds:schemaRef ds:uri="http://schemas.microsoft.com/office/2006/documentManagement/types"/>
+    <ds:schemaRef ds:uri="http://schemas.microsoft.com/office/infopath/2007/PartnerControls"/>
+    <ds:schemaRef ds:uri="http://schemas.openxmlformats.org/package/2006/metadata/core-properties"/>
+    <ds:schemaRef ds:uri="http://purl.org/dc/elements/1.1/"/>
+    <ds:schemaRef ds:uri="http://purl.org/dc/terms/"/>
+    <ds:schemaRef ds:uri="http://schemas.microsoft.com/internal/obd"/>
   </ds:schemaRefs>
 </ds:datastoreItem>
 </file>
--- a/2_Scala_Basics/Scala Crash Course.pptx
+++ b/2_Scala_Basics/Scala Crash Course.pptx
@@ -10806,7 +10806,19 @@
             </a:r>
             <a:r>
               <a:rPr lang="en-US" dirty="0"/>
-              <a:t>in Scala IDE</a:t>
+              <a:t>in </a:t>
+            </a:r>
+            <a:r>
+              <a:rPr lang="en-US" dirty="0" err="1"/>
+              <a:t>Intelijj</a:t>
+            </a:r>
+            <a:r>
+              <a:rPr lang="en-US" dirty="0"/>
+              <a:t>. Set Scala SDK </a:t>
+            </a:r>
+            <a:r>
+              <a:rPr lang="en-US"/>
+              <a:t>to Scala 2.11</a:t>
             </a:r>
             <a:endParaRPr lang="en-US" b="1" dirty="0"/>
           </a:p>
